--- a/MapReduce 2.0 YARN.pptx
+++ b/MapReduce 2.0 YARN.pptx
@@ -320,7 +320,7 @@
           <a:p>
             <a:fld id="{A8D17BAC-989E-3740-8403-FC8EB59AF70E}" type="datetimeFigureOut">
               <a:rPr lang="en-US" smtClean="0"/>
-              <a:t>6/21/17</a:t>
+              <a:t>6/23/17</a:t>
             </a:fld>
             <a:endParaRPr lang="en-US"/>
           </a:p>
@@ -490,7 +490,7 @@
           <a:p>
             <a:fld id="{A8D17BAC-989E-3740-8403-FC8EB59AF70E}" type="datetimeFigureOut">
               <a:rPr lang="en-US" smtClean="0"/>
-              <a:t>6/21/17</a:t>
+              <a:t>6/23/17</a:t>
             </a:fld>
             <a:endParaRPr lang="en-US"/>
           </a:p>
@@ -670,7 +670,7 @@
           <a:p>
             <a:fld id="{A8D17BAC-989E-3740-8403-FC8EB59AF70E}" type="datetimeFigureOut">
               <a:rPr lang="en-US" smtClean="0"/>
-              <a:t>6/21/17</a:t>
+              <a:t>6/23/17</a:t>
             </a:fld>
             <a:endParaRPr lang="en-US"/>
           </a:p>
@@ -840,7 +840,7 @@
           <a:p>
             <a:fld id="{A8D17BAC-989E-3740-8403-FC8EB59AF70E}" type="datetimeFigureOut">
               <a:rPr lang="en-US" smtClean="0"/>
-              <a:t>6/21/17</a:t>
+              <a:t>6/23/17</a:t>
             </a:fld>
             <a:endParaRPr lang="en-US"/>
           </a:p>
@@ -1086,7 +1086,7 @@
           <a:p>
             <a:fld id="{A8D17BAC-989E-3740-8403-FC8EB59AF70E}" type="datetimeFigureOut">
               <a:rPr lang="en-US" smtClean="0"/>
-              <a:t>6/21/17</a:t>
+              <a:t>6/23/17</a:t>
             </a:fld>
             <a:endParaRPr lang="en-US"/>
           </a:p>
@@ -1374,7 +1374,7 @@
           <a:p>
             <a:fld id="{A8D17BAC-989E-3740-8403-FC8EB59AF70E}" type="datetimeFigureOut">
               <a:rPr lang="en-US" smtClean="0"/>
-              <a:t>6/21/17</a:t>
+              <a:t>6/23/17</a:t>
             </a:fld>
             <a:endParaRPr lang="en-US"/>
           </a:p>
@@ -1796,7 +1796,7 @@
           <a:p>
             <a:fld id="{A8D17BAC-989E-3740-8403-FC8EB59AF70E}" type="datetimeFigureOut">
               <a:rPr lang="en-US" smtClean="0"/>
-              <a:t>6/21/17</a:t>
+              <a:t>6/23/17</a:t>
             </a:fld>
             <a:endParaRPr lang="en-US"/>
           </a:p>
@@ -1914,7 +1914,7 @@
           <a:p>
             <a:fld id="{A8D17BAC-989E-3740-8403-FC8EB59AF70E}" type="datetimeFigureOut">
               <a:rPr lang="en-US" smtClean="0"/>
-              <a:t>6/21/17</a:t>
+              <a:t>6/23/17</a:t>
             </a:fld>
             <a:endParaRPr lang="en-US"/>
           </a:p>
@@ -2009,7 +2009,7 @@
           <a:p>
             <a:fld id="{A8D17BAC-989E-3740-8403-FC8EB59AF70E}" type="datetimeFigureOut">
               <a:rPr lang="en-US" smtClean="0"/>
-              <a:t>6/21/17</a:t>
+              <a:t>6/23/17</a:t>
             </a:fld>
             <a:endParaRPr lang="en-US"/>
           </a:p>
@@ -2286,7 +2286,7 @@
           <a:p>
             <a:fld id="{A8D17BAC-989E-3740-8403-FC8EB59AF70E}" type="datetimeFigureOut">
               <a:rPr lang="en-US" smtClean="0"/>
-              <a:t>6/21/17</a:t>
+              <a:t>6/23/17</a:t>
             </a:fld>
             <a:endParaRPr lang="en-US"/>
           </a:p>
@@ -2539,7 +2539,7 @@
           <a:p>
             <a:fld id="{A8D17BAC-989E-3740-8403-FC8EB59AF70E}" type="datetimeFigureOut">
               <a:rPr lang="en-US" smtClean="0"/>
-              <a:t>6/21/17</a:t>
+              <a:t>6/23/17</a:t>
             </a:fld>
             <a:endParaRPr lang="en-US"/>
           </a:p>
@@ -2752,7 +2752,7 @@
           <a:p>
             <a:fld id="{A8D17BAC-989E-3740-8403-FC8EB59AF70E}" type="datetimeFigureOut">
               <a:rPr lang="en-US" smtClean="0"/>
-              <a:t>6/21/17</a:t>
+              <a:t>6/23/17</a:t>
             </a:fld>
             <a:endParaRPr lang="en-US"/>
           </a:p>
@@ -3225,9 +3225,14 @@
           </a:bodyPr>
           <a:lstStyle/>
           <a:p>
+            <a:pPr algn="l"/>
             <a:r>
               <a:rPr lang="en-US" sz="2400" dirty="0" smtClean="0"/>
-              <a:t>Create a </a:t>
+              <a:t>1) Create </a:t>
+            </a:r>
+            <a:r>
+              <a:rPr lang="en-US" sz="2400" dirty="0" smtClean="0"/>
+              <a:t>a </a:t>
             </a:r>
             <a:r>
               <a:rPr lang="en-US" sz="2400" i="1" dirty="0" err="1" smtClean="0"/>
@@ -3235,14 +3240,26 @@
             </a:r>
             <a:r>
               <a:rPr lang="en-US" sz="2400" dirty="0" smtClean="0"/>
-              <a:t> package</a:t>
+              <a:t> </a:t>
+            </a:r>
+            <a:r>
+              <a:rPr lang="en-US" sz="2400" dirty="0" smtClean="0"/>
+              <a:t>package</a:t>
+            </a:r>
+            <a:r>
+              <a:rPr lang="en-US" sz="2400" dirty="0" smtClean="0"/>
+              <a:t/>
             </a:r>
             <a:br>
               <a:rPr lang="en-US" sz="2400" dirty="0" smtClean="0"/>
             </a:br>
             <a:r>
               <a:rPr lang="en-US" sz="2400" dirty="0" smtClean="0"/>
-              <a:t>Create a Java </a:t>
+              <a:t>2) Create </a:t>
+            </a:r>
+            <a:r>
+              <a:rPr lang="en-US" sz="2400" dirty="0" smtClean="0"/>
+              <a:t>a Java </a:t>
             </a:r>
             <a:r>
               <a:rPr lang="en-US" sz="2400" dirty="0" err="1" smtClean="0"/>
@@ -3424,15 +3441,23 @@
               <a:t>Paste </a:t>
             </a:r>
             <a:r>
-              <a:rPr lang="en-US" sz="2400" dirty="0" err="1" smtClean="0"/>
+              <a:rPr lang="en-US" sz="2400" i="1" dirty="0" err="1" smtClean="0"/>
               <a:t>WordCount.java</a:t>
             </a:r>
             <a:r>
               <a:rPr lang="en-US" sz="2400" dirty="0" smtClean="0"/>
-              <a:t> (course directory) into your project </a:t>
-            </a:r>
-            <a:r>
-              <a:rPr lang="en-US" sz="2400" dirty="0" err="1" smtClean="0"/>
+              <a:t> </a:t>
+            </a:r>
+            <a:r>
+              <a:rPr lang="en-US" sz="2400" dirty="0" smtClean="0"/>
+              <a:t>(course directory</a:t>
+            </a:r>
+            <a:r>
+              <a:rPr lang="en-US" sz="2400" dirty="0" smtClean="0"/>
+              <a:t>) into your project </a:t>
+            </a:r>
+            <a:r>
+              <a:rPr lang="en-US" sz="2400" i="1" dirty="0" err="1" smtClean="0"/>
               <a:t>WordCount.java</a:t>
             </a:r>
             <a:r>
@@ -3542,18 +3567,18 @@
               <a:rPr lang="en-US" sz="2800" dirty="0" smtClean="0"/>
             </a:br>
             <a:r>
-              <a:rPr lang="en-US" sz="2800" dirty="0" smtClean="0"/>
+              <a:rPr lang="en-US" sz="2800" i="1" dirty="0" smtClean="0"/>
               <a:t>Note: </a:t>
             </a:r>
             <a:r>
-              <a:rPr lang="en-US" sz="2800" dirty="0" err="1" smtClean="0"/>
+              <a:rPr lang="en-US" sz="2800" i="1" dirty="0" err="1" smtClean="0"/>
               <a:t>org.hadoop.mapreduce</a:t>
             </a:r>
             <a:r>
-              <a:rPr lang="en-US" sz="2800" dirty="0" smtClean="0"/>
+              <a:rPr lang="en-US" sz="2800" i="1" dirty="0" smtClean="0"/>
               <a:t>.* -&gt; MRv2</a:t>
             </a:r>
-            <a:endParaRPr lang="en-US" sz="2800" dirty="0"/>
+            <a:endParaRPr lang="en-US" sz="2800" i="1" dirty="0"/>
           </a:p>
         </p:txBody>
       </p:sp>
@@ -3804,7 +3829,23 @@
           <a:p>
             <a:r>
               <a:rPr lang="en-US" sz="1600" dirty="0" smtClean="0"/>
-              <a:t>This application extends the class Configured, and implements the Tool utility class.</a:t>
+              <a:t>This application extends the class </a:t>
+            </a:r>
+            <a:r>
+              <a:rPr lang="en-US" sz="1600" i="1" dirty="0" smtClean="0"/>
+              <a:t>Configured</a:t>
+            </a:r>
+            <a:r>
+              <a:rPr lang="en-US" sz="1600" dirty="0" smtClean="0"/>
+              <a:t>, and implements the </a:t>
+            </a:r>
+            <a:r>
+              <a:rPr lang="en-US" sz="1600" i="1" dirty="0" smtClean="0"/>
+              <a:t>Tool</a:t>
+            </a:r>
+            <a:r>
+              <a:rPr lang="en-US" sz="1600" dirty="0" smtClean="0"/>
+              <a:t> utility class.</a:t>
             </a:r>
           </a:p>
           <a:p>
@@ -3819,7 +3860,7 @@
               <a:t>Then, you use </a:t>
             </a:r>
             <a:r>
-              <a:rPr lang="en-US" sz="1600" dirty="0" err="1" smtClean="0"/>
+              <a:rPr lang="en-US" sz="1600" i="1" dirty="0" err="1" smtClean="0"/>
               <a:t>ToolRunner</a:t>
             </a:r>
             <a:r>
@@ -4010,12 +4051,12 @@
               <a:t>Extend the Mapper class with your own </a:t>
             </a:r>
             <a:r>
-              <a:rPr lang="en-US" sz="1400" dirty="0" err="1" smtClean="0"/>
-              <a:t>Mapclass</a:t>
-            </a:r>
-            <a:r>
-              <a:rPr lang="en-US" sz="1400" dirty="0" smtClean="0"/>
-              <a:t> and add your own processing instructions.</a:t>
+              <a:rPr lang="en-US" sz="1400" dirty="0" smtClean="0"/>
+              <a:t>Mapper class </a:t>
+            </a:r>
+            <a:r>
+              <a:rPr lang="en-US" sz="1400" dirty="0" smtClean="0"/>
+              <a:t>and add your own processing instructions.</a:t>
             </a:r>
           </a:p>
           <a:p>
@@ -4025,7 +4066,15 @@
             </a:r>
             <a:r>
               <a:rPr lang="en-US" sz="1400" dirty="0" smtClean="0"/>
-              <a:t>ame is true for the Reducer: extend it to create and customize your own Reduce class.</a:t>
+              <a:t>ame is true for the Reducer: extend it to create and customize your own </a:t>
+            </a:r>
+            <a:r>
+              <a:rPr lang="en-US" sz="1400" dirty="0" smtClean="0"/>
+              <a:t>Reducer </a:t>
+            </a:r>
+            <a:r>
+              <a:rPr lang="en-US" sz="1400" dirty="0" smtClean="0"/>
+              <a:t>class.</a:t>
             </a:r>
           </a:p>
           <a:p>
@@ -4308,7 +4357,15 @@
             </a:r>
             <a:r>
               <a:rPr lang="en-US" dirty="0" smtClean="0"/>
-              <a:t> class, Run method</a:t>
+              <a:t> class, </a:t>
+            </a:r>
+            <a:r>
+              <a:rPr lang="en-US" dirty="0" smtClean="0"/>
+              <a:t>run </a:t>
+            </a:r>
+            <a:r>
+              <a:rPr lang="en-US" dirty="0" smtClean="0"/>
+              <a:t>method</a:t>
             </a:r>
             <a:endParaRPr lang="en-US" dirty="0"/>
           </a:p>
@@ -4337,7 +4394,7 @@
           <a:lstStyle/>
           <a:p>
             <a:r>
-              <a:rPr lang="en-US" sz="1400" dirty="0" err="1" smtClean="0"/>
+              <a:rPr lang="en-US" sz="1400" i="1" dirty="0" err="1" smtClean="0"/>
               <a:t>WordCount</a:t>
             </a:r>
             <a:r>
@@ -4360,12 +4417,28 @@
               <a:t>public class </a:t>
             </a:r>
             <a:r>
-              <a:rPr lang="en-US" sz="1400" dirty="0" err="1" smtClean="0"/>
+              <a:rPr lang="en-US" sz="1400" i="1" dirty="0" err="1" smtClean="0"/>
               <a:t>WordCount</a:t>
             </a:r>
             <a:r>
               <a:rPr lang="en-US" sz="1400" dirty="0" smtClean="0"/>
-              <a:t> extends Configured implements Tool {</a:t>
+              <a:t> extends </a:t>
+            </a:r>
+            <a:r>
+              <a:rPr lang="en-US" sz="1400" i="1" dirty="0" smtClean="0"/>
+              <a:t>Configured</a:t>
+            </a:r>
+            <a:r>
+              <a:rPr lang="en-US" sz="1400" dirty="0" smtClean="0"/>
+              <a:t> implements </a:t>
+            </a:r>
+            <a:r>
+              <a:rPr lang="en-US" sz="1400" i="1" dirty="0" smtClean="0"/>
+              <a:t>Tool</a:t>
+            </a:r>
+            <a:r>
+              <a:rPr lang="en-US" sz="1400" dirty="0" smtClean="0"/>
+              <a:t> {</a:t>
             </a:r>
           </a:p>
           <a:p>
@@ -4405,7 +4478,7 @@
               <a:t>The main method invokes </a:t>
             </a:r>
             <a:r>
-              <a:rPr lang="en-US" sz="1400" dirty="0" err="1" smtClean="0"/>
+              <a:rPr lang="en-US" sz="1400" i="1" dirty="0" err="1" smtClean="0"/>
               <a:t>ToolRunner</a:t>
             </a:r>
             <a:r>
@@ -5358,20 +5431,20 @@
               <a:t>Convert the Text object to a string. Create the </a:t>
             </a:r>
             <a:r>
-              <a:rPr lang="en-US" sz="1600" dirty="0" err="1" smtClean="0"/>
-              <a:t>currentWord</a:t>
-            </a:r>
-            <a:r>
-              <a:rPr lang="en-US" sz="1600" dirty="0" smtClean="0"/>
-              <a:t> variable, which </a:t>
-            </a:r>
-            <a:r>
-              <a:rPr lang="en-US" sz="1600" dirty="0" err="1" smtClean="0"/>
-              <a:t>isused</a:t>
-            </a:r>
-            <a:r>
-              <a:rPr lang="en-US" sz="1600" dirty="0" smtClean="0"/>
-              <a:t> to capture individual words from each input string.</a:t>
+              <a:rPr lang="en-US" sz="1600" dirty="0" smtClean="0"/>
+              <a:t>current Word </a:t>
+            </a:r>
+            <a:r>
+              <a:rPr lang="en-US" sz="1600" dirty="0" smtClean="0"/>
+              <a:t>variable, which </a:t>
+            </a:r>
+            <a:r>
+              <a:rPr lang="en-US" sz="1600" dirty="0" smtClean="0"/>
+              <a:t>is used </a:t>
+            </a:r>
+            <a:r>
+              <a:rPr lang="en-US" sz="1600" dirty="0" smtClean="0"/>
+              <a:t>to capture individual words from each input string.</a:t>
             </a:r>
           </a:p>
           <a:p>
@@ -5587,11 +5660,7 @@
           <a:p>
             <a:r>
               <a:rPr lang="en-US" dirty="0" smtClean="0"/>
-              <a:t>Limits </a:t>
-            </a:r>
-            <a:r>
-              <a:rPr lang="en-US" dirty="0" smtClean="0"/>
-              <a:t>of MapReduce 1.0</a:t>
+              <a:t>Limits of MapReduce 1.0</a:t>
             </a:r>
             <a:endParaRPr lang="en-US" dirty="0"/>
           </a:p>
@@ -5610,51 +5679,55 @@
         <p:spPr/>
         <p:txBody>
           <a:bodyPr>
-            <a:normAutofit lnSpcReduction="10000"/>
+            <a:normAutofit/>
           </a:bodyPr>
           <a:lstStyle/>
           <a:p>
             <a:r>
-              <a:rPr lang="en-US" dirty="0" smtClean="0"/>
-              <a:t>Its actually ~10 years old</a:t>
-            </a:r>
-          </a:p>
-          <a:p>
-            <a:r>
-              <a:rPr lang="en-US" dirty="0" smtClean="0"/>
+              <a:rPr lang="en-US" sz="2800" dirty="0" smtClean="0"/>
+              <a:t>~</a:t>
+            </a:r>
+            <a:r>
+              <a:rPr lang="en-US" sz="2800" dirty="0" smtClean="0"/>
+              <a:t>10 years old</a:t>
+            </a:r>
+          </a:p>
+          <a:p>
+            <a:r>
+              <a:rPr lang="en-US" sz="2800" dirty="0" smtClean="0"/>
               <a:t>Limits in the API</a:t>
             </a:r>
           </a:p>
           <a:p>
             <a:r>
-              <a:rPr lang="en-US" dirty="0" smtClean="0"/>
+              <a:rPr lang="en-US" sz="2800" dirty="0" smtClean="0"/>
               <a:t>Only batch processing, not interactive</a:t>
             </a:r>
           </a:p>
           <a:p>
             <a:r>
-              <a:rPr lang="en-US" dirty="0" smtClean="0"/>
+              <a:rPr lang="en-US" sz="2800" dirty="0" smtClean="0"/>
               <a:t>People want interactivity like RDBMS queries</a:t>
             </a:r>
           </a:p>
           <a:p>
             <a:r>
-              <a:rPr lang="en-US" dirty="0" smtClean="0"/>
+              <a:rPr lang="en-US" sz="2800" dirty="0" smtClean="0"/>
               <a:t>Coding MapReduce is complex, not enough developers</a:t>
             </a:r>
           </a:p>
           <a:p>
             <a:r>
-              <a:rPr lang="en-US" dirty="0" smtClean="0"/>
+              <a:rPr lang="en-US" sz="2800" dirty="0" smtClean="0"/>
               <a:t>Jobs don’t fit all big data business scenarios</a:t>
             </a:r>
           </a:p>
           <a:p>
             <a:r>
-              <a:rPr lang="en-US" dirty="0" smtClean="0"/>
+              <a:rPr lang="en-US" sz="2800" dirty="0" smtClean="0"/>
               <a:t>Missing enterprise features, security, etc.</a:t>
             </a:r>
-            <a:endParaRPr lang="en-US" dirty="0"/>
+            <a:endParaRPr lang="en-US" sz="2800" dirty="0"/>
           </a:p>
         </p:txBody>
       </p:sp>
@@ -7099,7 +7172,15 @@
           <a:p>
             <a:r>
               <a:rPr lang="en-US" dirty="0" smtClean="0"/>
-              <a:t>On your own</a:t>
+              <a:t>On </a:t>
+            </a:r>
+            <a:r>
+              <a:rPr lang="en-US" smtClean="0"/>
+              <a:t>your </a:t>
+            </a:r>
+            <a:r>
+              <a:rPr lang="en-US" smtClean="0"/>
+              <a:t>own - SKIP</a:t>
             </a:r>
             <a:endParaRPr lang="en-US" dirty="0"/>
           </a:p>
@@ -7416,9 +7497,9 @@
           <p:nvPr/>
         </p:nvCxnSpPr>
         <p:spPr>
-          <a:xfrm flipV="1">
+          <a:xfrm>
             <a:off x="575316" y="3386937"/>
-            <a:ext cx="1189984" cy="32567"/>
+            <a:ext cx="1189984" cy="1"/>
           </a:xfrm>
           <a:prstGeom prst="straightConnector1">
             <a:avLst/>
@@ -8137,6 +8218,10 @@
               <a:rPr lang="en-US" dirty="0" err="1" smtClean="0"/>
               <a:t>params</a:t>
             </a:r>
+            <a:r>
+              <a:rPr lang="en-US" dirty="0" smtClean="0"/>
+              <a:t> – can configure outside of program</a:t>
+            </a:r>
             <a:endParaRPr lang="en-US" dirty="0" smtClean="0"/>
           </a:p>
           <a:p>
@@ -8150,8 +8235,13 @@
             </a:r>
             <a:r>
               <a:rPr lang="en-US" dirty="0" smtClean="0"/>
-              <a:t> takes HCI options</a:t>
-            </a:r>
+              <a:t> takes </a:t>
+            </a:r>
+            <a:r>
+              <a:rPr lang="en-US" dirty="0" smtClean="0"/>
+              <a:t>options</a:t>
+            </a:r>
+            <a:endParaRPr lang="en-US" dirty="0" smtClean="0"/>
           </a:p>
           <a:p>
             <a:r>
@@ -8324,20 +8414,28 @@
           <a:p>
             <a:r>
               <a:rPr lang="en-US" sz="2400" dirty="0" smtClean="0"/>
-              <a:t>Add external libraries</a:t>
+              <a:t>Add external </a:t>
+            </a:r>
+            <a:r>
+              <a:rPr lang="en-US" sz="2400" dirty="0" smtClean="0"/>
+              <a:t>libraries:</a:t>
+            </a:r>
+            <a:r>
+              <a:rPr lang="en-US" sz="2400" dirty="0" smtClean="0"/>
+              <a:t/>
             </a:r>
             <a:br>
               <a:rPr lang="en-US" sz="2400" dirty="0" smtClean="0"/>
             </a:br>
             <a:r>
-              <a:rPr lang="en-US" sz="2400" dirty="0" smtClean="0"/>
+              <a:rPr lang="en-US" sz="2400" i="1" dirty="0" smtClean="0"/>
               <a:t>Right-mouse project -&gt; Java Build Path -&gt; Add External Jar -&gt; File System -&gt; </a:t>
             </a:r>
             <a:r>
-              <a:rPr lang="en-US" sz="2400" dirty="0" err="1" smtClean="0"/>
+              <a:rPr lang="en-US" sz="2400" i="1" dirty="0" err="1" smtClean="0"/>
               <a:t>usr</a:t>
             </a:r>
-            <a:endParaRPr lang="en-US" sz="2400" dirty="0"/>
+            <a:endParaRPr lang="en-US" sz="2400" i="1" dirty="0"/>
           </a:p>
         </p:txBody>
       </p:sp>
@@ -8419,11 +8517,7 @@
           <a:p>
             <a:r>
               <a:rPr lang="en-US" sz="2000" dirty="0" smtClean="0"/>
-              <a:t>Add external </a:t>
-            </a:r>
-            <a:r>
-              <a:rPr lang="en-US" sz="2000" dirty="0" smtClean="0"/>
-              <a:t>libraries</a:t>
+              <a:t>Add external libraries</a:t>
             </a:r>
             <a:r>
               <a:rPr lang="en-US" sz="2000" dirty="0"/>
@@ -8431,15 +8525,7 @@
             </a:r>
             <a:r>
               <a:rPr lang="en-US" sz="2000" dirty="0" smtClean="0"/>
-              <a:t>(</a:t>
-            </a:r>
-            <a:r>
-              <a:rPr lang="en-US" sz="2000" dirty="0" smtClean="0"/>
-              <a:t>continued)</a:t>
-            </a:r>
-            <a:r>
-              <a:rPr lang="en-US" sz="2000" dirty="0" smtClean="0"/>
-              <a:t/>
+              <a:t>(continued)</a:t>
             </a:r>
             <a:br>
               <a:rPr lang="en-US" sz="2000" dirty="0" smtClean="0"/>
@@ -8557,43 +8643,43 @@
             </a:r>
             <a:r>
               <a:rPr lang="en-US" sz="2000" dirty="0" smtClean="0"/>
-              <a:t>client</a:t>
-            </a:r>
-            <a:r>
-              <a:rPr lang="en-US" sz="2000" dirty="0" smtClean="0"/>
-              <a:t/>
+              <a:t>client: </a:t>
             </a:r>
             <a:br>
               <a:rPr lang="en-US" sz="2000" dirty="0" smtClean="0"/>
             </a:br>
             <a:r>
-              <a:rPr lang="en-US" sz="2000" dirty="0" smtClean="0"/>
-              <a:t>Java Build Path -&gt; Add External Jar -&gt; File System -&gt; </a:t>
-            </a:r>
-            <a:r>
-              <a:rPr lang="en-US" sz="2000" dirty="0" err="1" smtClean="0"/>
+              <a:rPr lang="en-US" sz="2000" i="1" dirty="0" smtClean="0"/>
+              <a:t>Java </a:t>
+            </a:r>
+            <a:r>
+              <a:rPr lang="en-US" sz="2000" i="1" dirty="0" smtClean="0"/>
+              <a:t>Build Path -&gt; Add External Jar -&gt; File System -&gt; </a:t>
+            </a:r>
+            <a:r>
+              <a:rPr lang="en-US" sz="2000" i="1" dirty="0" err="1" smtClean="0"/>
               <a:t>usr</a:t>
             </a:r>
             <a:r>
-              <a:rPr lang="en-US" sz="2000" dirty="0" smtClean="0"/>
+              <a:rPr lang="en-US" sz="2000" i="1" dirty="0" smtClean="0"/>
               <a:t> -&gt; lib -&gt; </a:t>
             </a:r>
             <a:r>
-              <a:rPr lang="en-US" sz="2000" dirty="0" err="1" smtClean="0"/>
+              <a:rPr lang="en-US" sz="2000" i="1" dirty="0" err="1" smtClean="0"/>
               <a:t>hadoop</a:t>
             </a:r>
             <a:r>
-              <a:rPr lang="en-US" sz="2000" dirty="0" smtClean="0"/>
+              <a:rPr lang="en-US" sz="2000" i="1" dirty="0" smtClean="0"/>
               <a:t/>
             </a:r>
             <a:br>
-              <a:rPr lang="en-US" sz="2000" dirty="0" smtClean="0"/>
+              <a:rPr lang="en-US" sz="2000" i="1" dirty="0" smtClean="0"/>
             </a:br>
             <a:r>
-              <a:rPr lang="en-US" sz="2000" dirty="0" smtClean="0"/>
+              <a:rPr lang="en-US" sz="2000" i="1" dirty="0" smtClean="0"/>
               <a:t> -&gt; client -&gt; Select all jar files</a:t>
             </a:r>
-            <a:endParaRPr lang="en-US" sz="2000" dirty="0"/>
+            <a:endParaRPr lang="en-US" sz="2000" i="1" dirty="0"/>
           </a:p>
         </p:txBody>
       </p:sp>
